--- a/presnt/End user.pptx
+++ b/presnt/End user.pptx
@@ -5,13 +5,12 @@
     <p:sldMasterId id="2147483648" r:id="rId1"/>
   </p:sldMasterIdLst>
   <p:sldIdLst>
-    <p:sldId id="256" r:id="rId2"/>
-    <p:sldId id="257" r:id="rId3"/>
-    <p:sldId id="258" r:id="rId4"/>
-    <p:sldId id="259" r:id="rId5"/>
-    <p:sldId id="260" r:id="rId6"/>
-    <p:sldId id="261" r:id="rId7"/>
-    <p:sldId id="262" r:id="rId8"/>
+    <p:sldId id="257" r:id="rId2"/>
+    <p:sldId id="258" r:id="rId3"/>
+    <p:sldId id="259" r:id="rId4"/>
+    <p:sldId id="260" r:id="rId5"/>
+    <p:sldId id="261" r:id="rId6"/>
+    <p:sldId id="262" r:id="rId7"/>
   </p:sldIdLst>
   <p:sldSz cx="12192000" cy="6858000"/>
   <p:notesSz cx="6858000" cy="9144000"/>
@@ -110,6 +109,11 @@
       </a:defRPr>
     </a:lvl9pPr>
   </p:defaultTextStyle>
+  <p:extLst>
+    <p:ext uri="{EFAFB233-063F-42B5-8137-9DF3F51BA10A}">
+      <p15:sldGuideLst xmlns:p15="http://schemas.microsoft.com/office/powerpoint/2012/main"/>
+    </p:ext>
+  </p:extLst>
 </p:presentation>
 </file>
 
@@ -1223,7 +1227,6 @@
             <a:rPr lang="en-US" sz="2000" b="1" dirty="0" smtClean="0"/>
             <a:t>Login </a:t>
           </a:r>
-          <a:endParaRPr lang="en-US" sz="2000" b="1" dirty="0" smtClean="0"/>
         </a:p>
       </dgm:t>
     </dgm:pt>
@@ -1263,7 +1266,6 @@
             <a:rPr lang="en-US" sz="2000" b="1" dirty="0" smtClean="0"/>
             <a:t>Write your note </a:t>
           </a:r>
-          <a:endParaRPr lang="en-US" sz="2000" b="1" dirty="0" smtClean="0"/>
         </a:p>
       </dgm:t>
     </dgm:pt>
@@ -1303,7 +1305,6 @@
             <a:rPr lang="en-US" sz="2000" b="1" dirty="0" smtClean="0"/>
             <a:t>Write another note or exit </a:t>
           </a:r>
-          <a:endParaRPr lang="en-US" sz="2000" b="1" dirty="0" smtClean="0"/>
         </a:p>
       </dgm:t>
     </dgm:pt>
@@ -1475,6 +1476,14 @@
         </dgm:presLayoutVars>
       </dgm:prSet>
       <dgm:spPr/>
+      <dgm:t>
+        <a:bodyPr/>
+        <a:lstStyle/>
+        <a:p>
+          <a:pPr rtl="1"/>
+          <a:endParaRPr lang="ar-AE"/>
+        </a:p>
+      </dgm:t>
     </dgm:pt>
     <dgm:pt modelId="{4FB8AEBA-346A-4729-9B88-FC088855519F}" type="pres">
       <dgm:prSet presAssocID="{8CF6D6B8-7B41-496F-9A8C-18DF7A02D0D2}" presName="ChildText" presStyleLbl="revTx" presStyleIdx="0" presStyleCnt="3" custScaleX="247884" custLinFactNeighborX="81209" custLinFactNeighborY="-1088">
@@ -1515,6 +1524,14 @@
         </dgm:presLayoutVars>
       </dgm:prSet>
       <dgm:spPr/>
+      <dgm:t>
+        <a:bodyPr/>
+        <a:lstStyle/>
+        <a:p>
+          <a:pPr rtl="1"/>
+          <a:endParaRPr lang="ar-AE"/>
+        </a:p>
+      </dgm:t>
     </dgm:pt>
     <dgm:pt modelId="{59B8040F-E483-4339-964B-BE16756AD929}" type="pres">
       <dgm:prSet presAssocID="{FCE11630-0E17-453C-891B-5909CDED4023}" presName="ChildText" presStyleLbl="revTx" presStyleIdx="1" presStyleCnt="3" custScaleX="250004" custLinFactNeighborX="82972" custLinFactNeighborY="19365">
@@ -1525,6 +1542,14 @@
         </dgm:presLayoutVars>
       </dgm:prSet>
       <dgm:spPr/>
+      <dgm:t>
+        <a:bodyPr/>
+        <a:lstStyle/>
+        <a:p>
+          <a:pPr rtl="1"/>
+          <a:endParaRPr lang="ar-AE"/>
+        </a:p>
+      </dgm:t>
     </dgm:pt>
     <dgm:pt modelId="{4B6BE256-C951-4A5C-BF63-148CF9107BDB}" type="pres">
       <dgm:prSet presAssocID="{3427AAC5-E976-4347-9A51-E18596CE2B01}" presName="sibTrans" presStyleCnt="0"/>
@@ -1572,37 +1597,37 @@
     </dgm:pt>
   </dgm:ptLst>
   <dgm:cxnLst>
+    <dgm:cxn modelId="{6AF04BD3-7F07-4361-8489-136D21C0BB9C}" srcId="{8CF6D6B8-7B41-496F-9A8C-18DF7A02D0D2}" destId="{22250344-9BE5-4150-B0C3-0C403F953A95}" srcOrd="3" destOrd="0" parTransId="{C7D7BDF5-20EF-42CC-8BDD-12F82386D236}" sibTransId="{C32C6EE1-CF0C-446A-9779-89252CAABE24}"/>
+    <dgm:cxn modelId="{0569C86C-FCD2-4E0A-8AA1-5C530C1872F2}" srcId="{675BC802-8FAA-4CA6-A07B-478B3C5918F3}" destId="{AAA53717-1196-463C-8D5C-E017A65C5EA7}" srcOrd="2" destOrd="0" parTransId="{1B188C96-4690-4D47-89F0-091376A0B454}" sibTransId="{64E00B72-ABA1-43E7-99D4-6A70B76880A0}"/>
+    <dgm:cxn modelId="{03838092-A279-4404-9A5E-BC1827FA2145}" srcId="{FCE11630-0E17-453C-891B-5909CDED4023}" destId="{F8E8FB06-0F34-4BD9-861B-18BA6D9069B9}" srcOrd="1" destOrd="0" parTransId="{93298976-A3AB-4EDC-A826-C8F9337E7B77}" sibTransId="{CD79CF4B-A1E4-460E-9C0D-EA8C34AA1B63}"/>
+    <dgm:cxn modelId="{48995D45-FDC2-4B10-8F13-CA896D1106D6}" srcId="{8CF6D6B8-7B41-496F-9A8C-18DF7A02D0D2}" destId="{B9710862-1ED0-4B73-84AC-47119D115651}" srcOrd="2" destOrd="0" parTransId="{58088E14-8EF9-4F32-A1EA-154480199889}" sibTransId="{F35B809D-B4DE-420A-8C53-01F96229821F}"/>
+    <dgm:cxn modelId="{303A1E83-31B8-4C8D-B373-9F475D95EC61}" type="presOf" srcId="{58AC09F5-79D0-48C6-B3CD-1F674694B267}" destId="{4FB8AEBA-346A-4729-9B88-FC088855519F}" srcOrd="0" destOrd="1" presId="urn:microsoft.com/office/officeart/2005/8/layout/StepDownProcess"/>
+    <dgm:cxn modelId="{1E271229-BD04-4F98-9410-53D7B4F77B78}" type="presOf" srcId="{675BC802-8FAA-4CA6-A07B-478B3C5918F3}" destId="{CDEC11DF-626F-499A-A4A1-912240811A5A}" srcOrd="0" destOrd="0" presId="urn:microsoft.com/office/officeart/2005/8/layout/StepDownProcess"/>
+    <dgm:cxn modelId="{DB8895E1-E88C-4F18-8F7F-2BBD3D428FFE}" srcId="{AAA53717-1196-463C-8D5C-E017A65C5EA7}" destId="{D7175747-5EE2-4EED-A4D1-4A4162E1D0FE}" srcOrd="0" destOrd="0" parTransId="{CBA73F37-B9E3-4802-84EB-CA5CF5D3F09E}" sibTransId="{966076FA-0277-4D06-BBA9-C42298B96C10}"/>
+    <dgm:cxn modelId="{E5498C99-6189-4D17-914F-6F52527D4287}" type="presOf" srcId="{AAA53717-1196-463C-8D5C-E017A65C5EA7}" destId="{16100E68-7CAE-4783-95DB-90BFE70971D9}" srcOrd="0" destOrd="0" presId="urn:microsoft.com/office/officeart/2005/8/layout/StepDownProcess"/>
+    <dgm:cxn modelId="{753C2E1B-13F4-4A1E-BDC7-8000C8A647F4}" srcId="{AAA53717-1196-463C-8D5C-E017A65C5EA7}" destId="{4A1BCA5F-990C-43AC-9FA4-8738CAA3C1BE}" srcOrd="1" destOrd="0" parTransId="{A883FB51-2378-47E4-8F7A-A9EC26BEA47B}" sibTransId="{B0578549-C936-4341-9088-12B959372FB1}"/>
+    <dgm:cxn modelId="{8A0ADC37-A782-42F2-95CB-567E4579ADEC}" srcId="{8CF6D6B8-7B41-496F-9A8C-18DF7A02D0D2}" destId="{BAC6FF43-CC5D-4624-A796-C8A0526EA4D5}" srcOrd="0" destOrd="0" parTransId="{92AEA83D-0A11-44E0-BDF4-B57BD93D2C0B}" sibTransId="{709652F3-B8B4-4EEA-A7AF-21C1A85CEDAF}"/>
+    <dgm:cxn modelId="{282C8551-8264-4730-8D6B-77BA6C7349A4}" srcId="{FCE11630-0E17-453C-891B-5909CDED4023}" destId="{6876B063-2F96-4E4B-AB88-87C830BE737B}" srcOrd="3" destOrd="0" parTransId="{EEA7EC18-2C8A-4F05-BF0B-92352D240DAD}" sibTransId="{ED43E9F2-1E9E-4546-A42B-2E27B2F3075E}"/>
+    <dgm:cxn modelId="{EE7994B7-466C-4F0A-8D1E-8694E7B01400}" type="presOf" srcId="{8317A3F1-B554-4EB4-A2A0-11DA24177AA2}" destId="{4FB8AEBA-346A-4729-9B88-FC088855519F}" srcOrd="0" destOrd="4" presId="urn:microsoft.com/office/officeart/2005/8/layout/StepDownProcess"/>
+    <dgm:cxn modelId="{6A8DCE42-91FF-48AE-9D13-048D881092A8}" type="presOf" srcId="{D7175747-5EE2-4EED-A4D1-4A4162E1D0FE}" destId="{8953E9BC-3C0C-4A85-BE2F-CE2EF12EF4CA}" srcOrd="0" destOrd="0" presId="urn:microsoft.com/office/officeart/2005/8/layout/StepDownProcess"/>
+    <dgm:cxn modelId="{2A07B7D9-2DF6-444F-ADBE-B1655AD612E1}" srcId="{FCE11630-0E17-453C-891B-5909CDED4023}" destId="{89AAA482-BAF8-4DD3-8CB7-CFE01E198817}" srcOrd="2" destOrd="0" parTransId="{E463CD90-9790-49CD-AE7E-E2A9A63D1210}" sibTransId="{298BE825-EE5B-4FCB-9AC6-E7BE07A7454B}"/>
+    <dgm:cxn modelId="{D838A85E-C8D9-4E4A-9D18-0B70ACB8308D}" srcId="{8CF6D6B8-7B41-496F-9A8C-18DF7A02D0D2}" destId="{8317A3F1-B554-4EB4-A2A0-11DA24177AA2}" srcOrd="4" destOrd="0" parTransId="{8088BDFF-33A1-4E04-A1CC-2D28C16A6424}" sibTransId="{A6C64ED0-EA47-464E-B155-64E249052B7F}"/>
+    <dgm:cxn modelId="{EAE1AA29-7688-4A2C-A604-9B6D974C68DF}" type="presOf" srcId="{22250344-9BE5-4150-B0C3-0C403F953A95}" destId="{4FB8AEBA-346A-4729-9B88-FC088855519F}" srcOrd="0" destOrd="3" presId="urn:microsoft.com/office/officeart/2005/8/layout/StepDownProcess"/>
+    <dgm:cxn modelId="{28DAEECB-B893-4E66-B7E0-AA0360313F8D}" type="presOf" srcId="{BAC6FF43-CC5D-4624-A796-C8A0526EA4D5}" destId="{4FB8AEBA-346A-4729-9B88-FC088855519F}" srcOrd="0" destOrd="0" presId="urn:microsoft.com/office/officeart/2005/8/layout/StepDownProcess"/>
     <dgm:cxn modelId="{8547C5A4-EA03-48E2-ACD8-5E87AFA93F99}" type="presOf" srcId="{6876B063-2F96-4E4B-AB88-87C830BE737B}" destId="{59B8040F-E483-4339-964B-BE16756AD929}" srcOrd="0" destOrd="3" presId="urn:microsoft.com/office/officeart/2005/8/layout/StepDownProcess"/>
+    <dgm:cxn modelId="{56E3F624-4CD3-49EC-B852-E3ED52329BDB}" srcId="{8CF6D6B8-7B41-496F-9A8C-18DF7A02D0D2}" destId="{58AC09F5-79D0-48C6-B3CD-1F674694B267}" srcOrd="1" destOrd="0" parTransId="{4FD7554B-02E2-459B-BA70-3643F4233C25}" sibTransId="{085D0986-CED4-4F40-9E09-8BFF492BA283}"/>
+    <dgm:cxn modelId="{2CA68264-126E-4D39-AF1E-9EF47258BA86}" srcId="{675BC802-8FAA-4CA6-A07B-478B3C5918F3}" destId="{FCE11630-0E17-453C-891B-5909CDED4023}" srcOrd="1" destOrd="0" parTransId="{3C270F2D-69C9-4C09-9AF5-7D707E95D027}" sibTransId="{3427AAC5-E976-4347-9A51-E18596CE2B01}"/>
+    <dgm:cxn modelId="{5CC79380-A2CA-48BE-B9B6-4E5CC3EEE99A}" type="presOf" srcId="{FCE82935-7488-4876-8BE3-6FD74BA4A53F}" destId="{59B8040F-E483-4339-964B-BE16756AD929}" srcOrd="0" destOrd="4" presId="urn:microsoft.com/office/officeart/2005/8/layout/StepDownProcess"/>
+    <dgm:cxn modelId="{0DAB7291-9D16-4CC4-948D-66F672CD0297}" type="presOf" srcId="{FCE11630-0E17-453C-891B-5909CDED4023}" destId="{CD9BA244-4958-4E25-9359-9AF66042D69C}" srcOrd="0" destOrd="0" presId="urn:microsoft.com/office/officeart/2005/8/layout/StepDownProcess"/>
+    <dgm:cxn modelId="{6CC3A001-9F4D-4109-8322-0CCBA021E9DE}" type="presOf" srcId="{B9710862-1ED0-4B73-84AC-47119D115651}" destId="{4FB8AEBA-346A-4729-9B88-FC088855519F}" srcOrd="0" destOrd="2" presId="urn:microsoft.com/office/officeart/2005/8/layout/StepDownProcess"/>
+    <dgm:cxn modelId="{237D092F-4ABF-4C5A-925E-BE6937CA0AE5}" type="presOf" srcId="{F8E8FB06-0F34-4BD9-861B-18BA6D9069B9}" destId="{59B8040F-E483-4339-964B-BE16756AD929}" srcOrd="0" destOrd="1" presId="urn:microsoft.com/office/officeart/2005/8/layout/StepDownProcess"/>
+    <dgm:cxn modelId="{180D3D52-CA80-4F74-9AD2-9BBA13531F85}" srcId="{FCE11630-0E17-453C-891B-5909CDED4023}" destId="{FCE82935-7488-4876-8BE3-6FD74BA4A53F}" srcOrd="4" destOrd="0" parTransId="{3732E4F2-87CD-42B4-8A76-590C733E782A}" sibTransId="{94108C1C-6E50-4929-8930-C3A2CDC73243}"/>
+    <dgm:cxn modelId="{8C72466C-D0E0-41D3-B98C-06C61C895B6F}" type="presOf" srcId="{8CF6D6B8-7B41-496F-9A8C-18DF7A02D0D2}" destId="{5C850CCF-F3D9-4E83-89E7-7DF261290BD6}" srcOrd="0" destOrd="0" presId="urn:microsoft.com/office/officeart/2005/8/layout/StepDownProcess"/>
+    <dgm:cxn modelId="{2328BBE7-5457-474B-B56C-DFD7DF00F7AA}" type="presOf" srcId="{4A1BCA5F-990C-43AC-9FA4-8738CAA3C1BE}" destId="{8953E9BC-3C0C-4A85-BE2F-CE2EF12EF4CA}" srcOrd="0" destOrd="1" presId="urn:microsoft.com/office/officeart/2005/8/layout/StepDownProcess"/>
+    <dgm:cxn modelId="{94C6C303-F562-4EA1-B431-3FA529C0B895}" type="presOf" srcId="{89AAA482-BAF8-4DD3-8CB7-CFE01E198817}" destId="{59B8040F-E483-4339-964B-BE16756AD929}" srcOrd="0" destOrd="2" presId="urn:microsoft.com/office/officeart/2005/8/layout/StepDownProcess"/>
     <dgm:cxn modelId="{6342F1E8-C981-451C-849B-435CA0409E75}" srcId="{675BC802-8FAA-4CA6-A07B-478B3C5918F3}" destId="{8CF6D6B8-7B41-496F-9A8C-18DF7A02D0D2}" srcOrd="0" destOrd="0" parTransId="{DC8C05DC-2E8A-4F44-B467-11F6D2A3F449}" sibTransId="{12679550-8335-40EC-A6B8-7B3AE4C048FC}"/>
-    <dgm:cxn modelId="{28DAEECB-B893-4E66-B7E0-AA0360313F8D}" type="presOf" srcId="{BAC6FF43-CC5D-4624-A796-C8A0526EA4D5}" destId="{4FB8AEBA-346A-4729-9B88-FC088855519F}" srcOrd="0" destOrd="0" presId="urn:microsoft.com/office/officeart/2005/8/layout/StepDownProcess"/>
-    <dgm:cxn modelId="{03838092-A279-4404-9A5E-BC1827FA2145}" srcId="{FCE11630-0E17-453C-891B-5909CDED4023}" destId="{F8E8FB06-0F34-4BD9-861B-18BA6D9069B9}" srcOrd="1" destOrd="0" parTransId="{93298976-A3AB-4EDC-A826-C8F9337E7B77}" sibTransId="{CD79CF4B-A1E4-460E-9C0D-EA8C34AA1B63}"/>
-    <dgm:cxn modelId="{282C8551-8264-4730-8D6B-77BA6C7349A4}" srcId="{FCE11630-0E17-453C-891B-5909CDED4023}" destId="{6876B063-2F96-4E4B-AB88-87C830BE737B}" srcOrd="3" destOrd="0" parTransId="{EEA7EC18-2C8A-4F05-BF0B-92352D240DAD}" sibTransId="{ED43E9F2-1E9E-4546-A42B-2E27B2F3075E}"/>
-    <dgm:cxn modelId="{D838A85E-C8D9-4E4A-9D18-0B70ACB8308D}" srcId="{8CF6D6B8-7B41-496F-9A8C-18DF7A02D0D2}" destId="{8317A3F1-B554-4EB4-A2A0-11DA24177AA2}" srcOrd="4" destOrd="0" parTransId="{8088BDFF-33A1-4E04-A1CC-2D28C16A6424}" sibTransId="{A6C64ED0-EA47-464E-B155-64E249052B7F}"/>
-    <dgm:cxn modelId="{180D3D52-CA80-4F74-9AD2-9BBA13531F85}" srcId="{FCE11630-0E17-453C-891B-5909CDED4023}" destId="{FCE82935-7488-4876-8BE3-6FD74BA4A53F}" srcOrd="4" destOrd="0" parTransId="{3732E4F2-87CD-42B4-8A76-590C733E782A}" sibTransId="{94108C1C-6E50-4929-8930-C3A2CDC73243}"/>
-    <dgm:cxn modelId="{6AF04BD3-7F07-4361-8489-136D21C0BB9C}" srcId="{8CF6D6B8-7B41-496F-9A8C-18DF7A02D0D2}" destId="{22250344-9BE5-4150-B0C3-0C403F953A95}" srcOrd="3" destOrd="0" parTransId="{C7D7BDF5-20EF-42CC-8BDD-12F82386D236}" sibTransId="{C32C6EE1-CF0C-446A-9779-89252CAABE24}"/>
     <dgm:cxn modelId="{E0DE8D98-13BC-45AD-8E19-2D6988AEAF0B}" type="presOf" srcId="{DAFE934D-7458-4486-9A3F-94E4CE9C6D4E}" destId="{59B8040F-E483-4339-964B-BE16756AD929}" srcOrd="0" destOrd="0" presId="urn:microsoft.com/office/officeart/2005/8/layout/StepDownProcess"/>
-    <dgm:cxn modelId="{6CC3A001-9F4D-4109-8322-0CCBA021E9DE}" type="presOf" srcId="{B9710862-1ED0-4B73-84AC-47119D115651}" destId="{4FB8AEBA-346A-4729-9B88-FC088855519F}" srcOrd="0" destOrd="2" presId="urn:microsoft.com/office/officeart/2005/8/layout/StepDownProcess"/>
-    <dgm:cxn modelId="{2A07B7D9-2DF6-444F-ADBE-B1655AD612E1}" srcId="{FCE11630-0E17-453C-891B-5909CDED4023}" destId="{89AAA482-BAF8-4DD3-8CB7-CFE01E198817}" srcOrd="2" destOrd="0" parTransId="{E463CD90-9790-49CD-AE7E-E2A9A63D1210}" sibTransId="{298BE825-EE5B-4FCB-9AC6-E7BE07A7454B}"/>
-    <dgm:cxn modelId="{8A0ADC37-A782-42F2-95CB-567E4579ADEC}" srcId="{8CF6D6B8-7B41-496F-9A8C-18DF7A02D0D2}" destId="{BAC6FF43-CC5D-4624-A796-C8A0526EA4D5}" srcOrd="0" destOrd="0" parTransId="{92AEA83D-0A11-44E0-BDF4-B57BD93D2C0B}" sibTransId="{709652F3-B8B4-4EEA-A7AF-21C1A85CEDAF}"/>
-    <dgm:cxn modelId="{2328BBE7-5457-474B-B56C-DFD7DF00F7AA}" type="presOf" srcId="{4A1BCA5F-990C-43AC-9FA4-8738CAA3C1BE}" destId="{8953E9BC-3C0C-4A85-BE2F-CE2EF12EF4CA}" srcOrd="0" destOrd="1" presId="urn:microsoft.com/office/officeart/2005/8/layout/StepDownProcess"/>
-    <dgm:cxn modelId="{753C2E1B-13F4-4A1E-BDC7-8000C8A647F4}" srcId="{AAA53717-1196-463C-8D5C-E017A65C5EA7}" destId="{4A1BCA5F-990C-43AC-9FA4-8738CAA3C1BE}" srcOrd="1" destOrd="0" parTransId="{A883FB51-2378-47E4-8F7A-A9EC26BEA47B}" sibTransId="{B0578549-C936-4341-9088-12B959372FB1}"/>
-    <dgm:cxn modelId="{0569C86C-FCD2-4E0A-8AA1-5C530C1872F2}" srcId="{675BC802-8FAA-4CA6-A07B-478B3C5918F3}" destId="{AAA53717-1196-463C-8D5C-E017A65C5EA7}" srcOrd="2" destOrd="0" parTransId="{1B188C96-4690-4D47-89F0-091376A0B454}" sibTransId="{64E00B72-ABA1-43E7-99D4-6A70B76880A0}"/>
-    <dgm:cxn modelId="{56E3F624-4CD3-49EC-B852-E3ED52329BDB}" srcId="{8CF6D6B8-7B41-496F-9A8C-18DF7A02D0D2}" destId="{58AC09F5-79D0-48C6-B3CD-1F674694B267}" srcOrd="1" destOrd="0" parTransId="{4FD7554B-02E2-459B-BA70-3643F4233C25}" sibTransId="{085D0986-CED4-4F40-9E09-8BFF492BA283}"/>
-    <dgm:cxn modelId="{48995D45-FDC2-4B10-8F13-CA896D1106D6}" srcId="{8CF6D6B8-7B41-496F-9A8C-18DF7A02D0D2}" destId="{B9710862-1ED0-4B73-84AC-47119D115651}" srcOrd="2" destOrd="0" parTransId="{58088E14-8EF9-4F32-A1EA-154480199889}" sibTransId="{F35B809D-B4DE-420A-8C53-01F96229821F}"/>
-    <dgm:cxn modelId="{1E271229-BD04-4F98-9410-53D7B4F77B78}" type="presOf" srcId="{675BC802-8FAA-4CA6-A07B-478B3C5918F3}" destId="{CDEC11DF-626F-499A-A4A1-912240811A5A}" srcOrd="0" destOrd="0" presId="urn:microsoft.com/office/officeart/2005/8/layout/StepDownProcess"/>
     <dgm:cxn modelId="{1B11F853-72DF-47F6-8A88-D419F73C6489}" srcId="{FCE11630-0E17-453C-891B-5909CDED4023}" destId="{DAFE934D-7458-4486-9A3F-94E4CE9C6D4E}" srcOrd="0" destOrd="0" parTransId="{0B49F7FC-48E2-4FBF-B46D-0C66DB25F86E}" sibTransId="{8835B606-2362-49E2-88F7-04F1730C3761}"/>
-    <dgm:cxn modelId="{0DAB7291-9D16-4CC4-948D-66F672CD0297}" type="presOf" srcId="{FCE11630-0E17-453C-891B-5909CDED4023}" destId="{CD9BA244-4958-4E25-9359-9AF66042D69C}" srcOrd="0" destOrd="0" presId="urn:microsoft.com/office/officeart/2005/8/layout/StepDownProcess"/>
-    <dgm:cxn modelId="{2CA68264-126E-4D39-AF1E-9EF47258BA86}" srcId="{675BC802-8FAA-4CA6-A07B-478B3C5918F3}" destId="{FCE11630-0E17-453C-891B-5909CDED4023}" srcOrd="1" destOrd="0" parTransId="{3C270F2D-69C9-4C09-9AF5-7D707E95D027}" sibTransId="{3427AAC5-E976-4347-9A51-E18596CE2B01}"/>
-    <dgm:cxn modelId="{6A8DCE42-91FF-48AE-9D13-048D881092A8}" type="presOf" srcId="{D7175747-5EE2-4EED-A4D1-4A4162E1D0FE}" destId="{8953E9BC-3C0C-4A85-BE2F-CE2EF12EF4CA}" srcOrd="0" destOrd="0" presId="urn:microsoft.com/office/officeart/2005/8/layout/StepDownProcess"/>
-    <dgm:cxn modelId="{303A1E83-31B8-4C8D-B373-9F475D95EC61}" type="presOf" srcId="{58AC09F5-79D0-48C6-B3CD-1F674694B267}" destId="{4FB8AEBA-346A-4729-9B88-FC088855519F}" srcOrd="0" destOrd="1" presId="urn:microsoft.com/office/officeart/2005/8/layout/StepDownProcess"/>
-    <dgm:cxn modelId="{94C6C303-F562-4EA1-B431-3FA529C0B895}" type="presOf" srcId="{89AAA482-BAF8-4DD3-8CB7-CFE01E198817}" destId="{59B8040F-E483-4339-964B-BE16756AD929}" srcOrd="0" destOrd="2" presId="urn:microsoft.com/office/officeart/2005/8/layout/StepDownProcess"/>
-    <dgm:cxn modelId="{8C72466C-D0E0-41D3-B98C-06C61C895B6F}" type="presOf" srcId="{8CF6D6B8-7B41-496F-9A8C-18DF7A02D0D2}" destId="{5C850CCF-F3D9-4E83-89E7-7DF261290BD6}" srcOrd="0" destOrd="0" presId="urn:microsoft.com/office/officeart/2005/8/layout/StepDownProcess"/>
-    <dgm:cxn modelId="{DB8895E1-E88C-4F18-8F7F-2BBD3D428FFE}" srcId="{AAA53717-1196-463C-8D5C-E017A65C5EA7}" destId="{D7175747-5EE2-4EED-A4D1-4A4162E1D0FE}" srcOrd="0" destOrd="0" parTransId="{CBA73F37-B9E3-4802-84EB-CA5CF5D3F09E}" sibTransId="{966076FA-0277-4D06-BBA9-C42298B96C10}"/>
-    <dgm:cxn modelId="{EAE1AA29-7688-4A2C-A604-9B6D974C68DF}" type="presOf" srcId="{22250344-9BE5-4150-B0C3-0C403F953A95}" destId="{4FB8AEBA-346A-4729-9B88-FC088855519F}" srcOrd="0" destOrd="3" presId="urn:microsoft.com/office/officeart/2005/8/layout/StepDownProcess"/>
-    <dgm:cxn modelId="{237D092F-4ABF-4C5A-925E-BE6937CA0AE5}" type="presOf" srcId="{F8E8FB06-0F34-4BD9-861B-18BA6D9069B9}" destId="{59B8040F-E483-4339-964B-BE16756AD929}" srcOrd="0" destOrd="1" presId="urn:microsoft.com/office/officeart/2005/8/layout/StepDownProcess"/>
-    <dgm:cxn modelId="{5CC79380-A2CA-48BE-B9B6-4E5CC3EEE99A}" type="presOf" srcId="{FCE82935-7488-4876-8BE3-6FD74BA4A53F}" destId="{59B8040F-E483-4339-964B-BE16756AD929}" srcOrd="0" destOrd="4" presId="urn:microsoft.com/office/officeart/2005/8/layout/StepDownProcess"/>
-    <dgm:cxn modelId="{E5498C99-6189-4D17-914F-6F52527D4287}" type="presOf" srcId="{AAA53717-1196-463C-8D5C-E017A65C5EA7}" destId="{16100E68-7CAE-4783-95DB-90BFE70971D9}" srcOrd="0" destOrd="0" presId="urn:microsoft.com/office/officeart/2005/8/layout/StepDownProcess"/>
-    <dgm:cxn modelId="{EE7994B7-466C-4F0A-8D1E-8694E7B01400}" type="presOf" srcId="{8317A3F1-B554-4EB4-A2A0-11DA24177AA2}" destId="{4FB8AEBA-346A-4729-9B88-FC088855519F}" srcOrd="0" destOrd="4" presId="urn:microsoft.com/office/officeart/2005/8/layout/StepDownProcess"/>
     <dgm:cxn modelId="{A0EB5DE1-C4DF-4247-9598-CA4BF02E3746}" type="presParOf" srcId="{CDEC11DF-626F-499A-A4A1-912240811A5A}" destId="{42B55C9D-A1B4-4C20-AEBB-65D463C8A305}" srcOrd="0" destOrd="0" presId="urn:microsoft.com/office/officeart/2005/8/layout/StepDownProcess"/>
     <dgm:cxn modelId="{1821FE5E-3408-4EB0-ADC7-4F6E9E08C78E}" type="presParOf" srcId="{42B55C9D-A1B4-4C20-AEBB-65D463C8A305}" destId="{10B62C26-0E30-46E6-8E7C-233CA210D52C}" srcOrd="0" destOrd="0" presId="urn:microsoft.com/office/officeart/2005/8/layout/StepDownProcess"/>
     <dgm:cxn modelId="{50E2FAE3-8630-4B3D-AA95-D019A0050BC5}" type="presParOf" srcId="{42B55C9D-A1B4-4C20-AEBB-65D463C8A305}" destId="{5C850CCF-F3D9-4E83-89E7-7DF261290BD6}" srcOrd="1" destOrd="0" presId="urn:microsoft.com/office/officeart/2005/8/layout/StepDownProcess"/>
@@ -1635,798 +1660,6 @@
       <dsp:cNvGrpSpPr/>
     </dsp:nvGrpSpPr>
     <dsp:grpSpPr/>
-    <dsp:sp modelId="{10B62C26-0E30-46E6-8E7C-233CA210D52C}">
-      <dsp:nvSpPr>
-        <dsp:cNvPr id="0" name=""/>
-        <dsp:cNvSpPr/>
-      </dsp:nvSpPr>
-      <dsp:spPr>
-        <a:xfrm rot="5400000">
-          <a:off x="1899904" y="1583167"/>
-          <a:ext cx="1400175" cy="1594049"/>
-        </a:xfrm>
-        <a:prstGeom prst="bentUpArrow">
-          <a:avLst>
-            <a:gd name="adj1" fmla="val 32840"/>
-            <a:gd name="adj2" fmla="val 25000"/>
-            <a:gd name="adj3" fmla="val 35780"/>
-          </a:avLst>
-        </a:prstGeom>
-        <a:gradFill rotWithShape="0">
-          <a:gsLst>
-            <a:gs pos="0">
-              <a:schemeClr val="accent1">
-                <a:tint val="50000"/>
-                <a:hueOff val="0"/>
-                <a:satOff val="0"/>
-                <a:lumOff val="0"/>
-                <a:alphaOff val="0"/>
-                <a:tint val="96000"/>
-                <a:lumMod val="104000"/>
-              </a:schemeClr>
-            </a:gs>
-            <a:gs pos="100000">
-              <a:schemeClr val="accent1">
-                <a:tint val="50000"/>
-                <a:hueOff val="0"/>
-                <a:satOff val="0"/>
-                <a:lumOff val="0"/>
-                <a:alphaOff val="0"/>
-                <a:shade val="98000"/>
-                <a:lumMod val="94000"/>
-              </a:schemeClr>
-            </a:gs>
-          </a:gsLst>
-          <a:lin ang="5400000" scaled="0"/>
-        </a:gradFill>
-        <a:ln>
-          <a:noFill/>
-        </a:ln>
-        <a:effectLst>
-          <a:outerShdw blurRad="38100" dist="25400" dir="5400000" rotWithShape="0">
-            <a:srgbClr val="000000">
-              <a:alpha val="25000"/>
-            </a:srgbClr>
-          </a:outerShdw>
-        </a:effectLst>
-        <a:scene3d>
-          <a:camera prst="orthographicFront"/>
-          <a:lightRig rig="flat" dir="t"/>
-        </a:scene3d>
-        <a:sp3d prstMaterial="plastic">
-          <a:bevelT w="88900" h="88900"/>
-          <a:bevelB w="88900" h="31750" prst="angle"/>
-        </a:sp3d>
-      </dsp:spPr>
-      <dsp:style>
-        <a:lnRef idx="0">
-          <a:scrgbClr r="0" g="0" b="0"/>
-        </a:lnRef>
-        <a:fillRef idx="3">
-          <a:scrgbClr r="0" g="0" b="0"/>
-        </a:fillRef>
-        <a:effectRef idx="2">
-          <a:scrgbClr r="0" g="0" b="0"/>
-        </a:effectRef>
-        <a:fontRef idx="minor"/>
-      </dsp:style>
-    </dsp:sp>
-    <dsp:sp modelId="{5C850CCF-F3D9-4E83-89E7-7DF261290BD6}">
-      <dsp:nvSpPr>
-        <dsp:cNvPr id="0" name=""/>
-        <dsp:cNvSpPr/>
-      </dsp:nvSpPr>
-      <dsp:spPr>
-        <a:xfrm>
-          <a:off x="1528943" y="31045"/>
-          <a:ext cx="2357070" cy="1649872"/>
-        </a:xfrm>
-        <a:prstGeom prst="roundRect">
-          <a:avLst>
-            <a:gd name="adj" fmla="val 16670"/>
-          </a:avLst>
-        </a:prstGeom>
-        <a:gradFill rotWithShape="0">
-          <a:gsLst>
-            <a:gs pos="0">
-              <a:schemeClr val="accent1">
-                <a:hueOff val="0"/>
-                <a:satOff val="0"/>
-                <a:lumOff val="0"/>
-                <a:alphaOff val="0"/>
-                <a:tint val="96000"/>
-                <a:lumMod val="104000"/>
-              </a:schemeClr>
-            </a:gs>
-            <a:gs pos="100000">
-              <a:schemeClr val="accent1">
-                <a:hueOff val="0"/>
-                <a:satOff val="0"/>
-                <a:lumOff val="0"/>
-                <a:alphaOff val="0"/>
-                <a:shade val="98000"/>
-                <a:lumMod val="94000"/>
-              </a:schemeClr>
-            </a:gs>
-          </a:gsLst>
-          <a:lin ang="5400000" scaled="0"/>
-        </a:gradFill>
-        <a:ln>
-          <a:noFill/>
-        </a:ln>
-        <a:effectLst>
-          <a:outerShdw blurRad="38100" dist="25400" dir="5400000" rotWithShape="0">
-            <a:srgbClr val="000000">
-              <a:alpha val="25000"/>
-            </a:srgbClr>
-          </a:outerShdw>
-        </a:effectLst>
-        <a:scene3d>
-          <a:camera prst="orthographicFront"/>
-          <a:lightRig rig="flat" dir="t"/>
-        </a:scene3d>
-        <a:sp3d prstMaterial="plastic">
-          <a:bevelT w="120900" h="88900"/>
-          <a:bevelB w="88900" h="31750" prst="angle"/>
-        </a:sp3d>
-      </dsp:spPr>
-      <dsp:style>
-        <a:lnRef idx="0">
-          <a:scrgbClr r="0" g="0" b="0"/>
-        </a:lnRef>
-        <a:fillRef idx="3">
-          <a:scrgbClr r="0" g="0" b="0"/>
-        </a:fillRef>
-        <a:effectRef idx="2">
-          <a:scrgbClr r="0" g="0" b="0"/>
-        </a:effectRef>
-        <a:fontRef idx="minor">
-          <a:schemeClr val="lt1"/>
-        </a:fontRef>
-      </dsp:style>
-      <dsp:txBody>
-        <a:bodyPr spcFirstLastPara="0" vert="horz" wrap="square" lIns="129540" tIns="129540" rIns="129540" bIns="129540" numCol="1" spcCol="1270" anchor="ctr" anchorCtr="0">
-          <a:noAutofit/>
-        </a:bodyPr>
-        <a:lstStyle/>
-        <a:p>
-          <a:pPr lvl="0" algn="ctr" defTabSz="1511300" rtl="1">
-            <a:lnSpc>
-              <a:spcPct val="90000"/>
-            </a:lnSpc>
-            <a:spcBef>
-              <a:spcPct val="0"/>
-            </a:spcBef>
-            <a:spcAft>
-              <a:spcPct val="35000"/>
-            </a:spcAft>
-          </a:pPr>
-          <a:r>
-            <a:rPr lang="en-US" sz="3400" kern="1200" dirty="0" smtClean="0"/>
-            <a:t>Add user</a:t>
-          </a:r>
-          <a:endParaRPr lang="ar-AE" sz="3400" kern="1200" dirty="0"/>
-        </a:p>
-      </dsp:txBody>
-      <dsp:txXfrm>
-        <a:off x="1609498" y="111600"/>
-        <a:ext cx="2195960" cy="1488762"/>
-      </dsp:txXfrm>
-    </dsp:sp>
-    <dsp:sp modelId="{4FB8AEBA-346A-4729-9B88-FC088855519F}">
-      <dsp:nvSpPr>
-        <dsp:cNvPr id="0" name=""/>
-        <dsp:cNvSpPr/>
-      </dsp:nvSpPr>
-      <dsp:spPr>
-        <a:xfrm>
-          <a:off x="4010592" y="173889"/>
-          <a:ext cx="4249496" cy="1333500"/>
-        </a:xfrm>
-        <a:prstGeom prst="rect">
-          <a:avLst/>
-        </a:prstGeom>
-        <a:noFill/>
-        <a:ln>
-          <a:noFill/>
-        </a:ln>
-        <a:effectLst/>
-      </dsp:spPr>
-      <dsp:style>
-        <a:lnRef idx="0">
-          <a:scrgbClr r="0" g="0" b="0"/>
-        </a:lnRef>
-        <a:fillRef idx="0">
-          <a:scrgbClr r="0" g="0" b="0"/>
-        </a:fillRef>
-        <a:effectRef idx="0">
-          <a:scrgbClr r="0" g="0" b="0"/>
-        </a:effectRef>
-        <a:fontRef idx="minor"/>
-      </dsp:style>
-      <dsp:txBody>
-        <a:bodyPr spcFirstLastPara="0" vert="horz" wrap="square" lIns="76200" tIns="76200" rIns="76200" bIns="76200" numCol="1" spcCol="1270" anchor="ctr" anchorCtr="0">
-          <a:noAutofit/>
-        </a:bodyPr>
-        <a:lstStyle/>
-        <a:p>
-          <a:pPr marL="228600" lvl="1" indent="-228600" algn="r" defTabSz="889000" rtl="1">
-            <a:lnSpc>
-              <a:spcPct val="90000"/>
-            </a:lnSpc>
-            <a:spcBef>
-              <a:spcPct val="0"/>
-            </a:spcBef>
-            <a:spcAft>
-              <a:spcPct val="15000"/>
-            </a:spcAft>
-            <a:buChar char="••"/>
-          </a:pPr>
-          <a:endParaRPr lang="ar-AE" sz="2000" b="1" kern="1200" dirty="0"/>
-        </a:p>
-        <a:p>
-          <a:pPr marL="228600" lvl="1" indent="-228600" algn="r" defTabSz="889000" rtl="1">
-            <a:lnSpc>
-              <a:spcPct val="90000"/>
-            </a:lnSpc>
-            <a:spcBef>
-              <a:spcPct val="0"/>
-            </a:spcBef>
-            <a:spcAft>
-              <a:spcPct val="15000"/>
-            </a:spcAft>
-            <a:buChar char="••"/>
-          </a:pPr>
-          <a:endParaRPr lang="ar-AE" sz="2000" b="1" kern="1200" dirty="0"/>
-        </a:p>
-        <a:p>
-          <a:pPr marL="228600" lvl="1" indent="-228600" algn="l" defTabSz="889000" rtl="0">
-            <a:lnSpc>
-              <a:spcPct val="90000"/>
-            </a:lnSpc>
-            <a:spcBef>
-              <a:spcPct val="0"/>
-            </a:spcBef>
-            <a:spcAft>
-              <a:spcPct val="15000"/>
-            </a:spcAft>
-            <a:buChar char="••"/>
-          </a:pPr>
-          <a:endParaRPr lang="ar-AE" sz="2000" b="1" kern="1200" dirty="0"/>
-        </a:p>
-        <a:p>
-          <a:pPr marL="228600" lvl="1" indent="-228600" algn="l" defTabSz="889000" rtl="0">
-            <a:lnSpc>
-              <a:spcPct val="90000"/>
-            </a:lnSpc>
-            <a:spcBef>
-              <a:spcPct val="0"/>
-            </a:spcBef>
-            <a:spcAft>
-              <a:spcPct val="15000"/>
-            </a:spcAft>
-            <a:buChar char="••"/>
-          </a:pPr>
-          <a:r>
-            <a:rPr lang="en-US" sz="2000" b="1" kern="1200" dirty="0" smtClean="0"/>
-            <a:t>Add full name</a:t>
-          </a:r>
-          <a:endParaRPr lang="ar-AE" sz="2000" b="1" kern="1200" dirty="0"/>
-        </a:p>
-        <a:p>
-          <a:pPr marL="228600" lvl="1" indent="-228600" algn="l" defTabSz="889000" rtl="0">
-            <a:lnSpc>
-              <a:spcPct val="90000"/>
-            </a:lnSpc>
-            <a:spcBef>
-              <a:spcPct val="0"/>
-            </a:spcBef>
-            <a:spcAft>
-              <a:spcPct val="15000"/>
-            </a:spcAft>
-            <a:buChar char="••"/>
-          </a:pPr>
-          <a:r>
-            <a:rPr lang="en-US" sz="2000" b="1" kern="1200" dirty="0" smtClean="0"/>
-            <a:t>Add password</a:t>
-          </a:r>
-          <a:endParaRPr lang="ar-AE" sz="2000" b="1" kern="1200" dirty="0"/>
-        </a:p>
-      </dsp:txBody>
-      <dsp:txXfrm>
-        <a:off x="4010592" y="173889"/>
-        <a:ext cx="4249496" cy="1333500"/>
-      </dsp:txXfrm>
-    </dsp:sp>
-    <dsp:sp modelId="{BE2DF5B3-4AD2-4722-911A-101AE97F1DDC}">
-      <dsp:nvSpPr>
-        <dsp:cNvPr id="0" name=""/>
-        <dsp:cNvSpPr/>
-      </dsp:nvSpPr>
-      <dsp:spPr>
-        <a:xfrm rot="5400000">
-          <a:off x="4462611" y="3436519"/>
-          <a:ext cx="1400175" cy="1594049"/>
-        </a:xfrm>
-        <a:prstGeom prst="bentUpArrow">
-          <a:avLst>
-            <a:gd name="adj1" fmla="val 32840"/>
-            <a:gd name="adj2" fmla="val 25000"/>
-            <a:gd name="adj3" fmla="val 35780"/>
-          </a:avLst>
-        </a:prstGeom>
-        <a:gradFill rotWithShape="0">
-          <a:gsLst>
-            <a:gs pos="0">
-              <a:schemeClr val="accent1">
-                <a:tint val="50000"/>
-                <a:hueOff val="0"/>
-                <a:satOff val="0"/>
-                <a:lumOff val="0"/>
-                <a:alphaOff val="0"/>
-                <a:tint val="96000"/>
-                <a:lumMod val="104000"/>
-              </a:schemeClr>
-            </a:gs>
-            <a:gs pos="100000">
-              <a:schemeClr val="accent1">
-                <a:tint val="50000"/>
-                <a:hueOff val="0"/>
-                <a:satOff val="0"/>
-                <a:lumOff val="0"/>
-                <a:alphaOff val="0"/>
-                <a:shade val="98000"/>
-                <a:lumMod val="94000"/>
-              </a:schemeClr>
-            </a:gs>
-          </a:gsLst>
-          <a:lin ang="5400000" scaled="0"/>
-        </a:gradFill>
-        <a:ln>
-          <a:noFill/>
-        </a:ln>
-        <a:effectLst>
-          <a:outerShdw blurRad="38100" dist="25400" dir="5400000" rotWithShape="0">
-            <a:srgbClr val="000000">
-              <a:alpha val="25000"/>
-            </a:srgbClr>
-          </a:outerShdw>
-        </a:effectLst>
-        <a:scene3d>
-          <a:camera prst="orthographicFront"/>
-          <a:lightRig rig="flat" dir="t"/>
-        </a:scene3d>
-        <a:sp3d prstMaterial="plastic">
-          <a:bevelT w="88900" h="88900"/>
-          <a:bevelB w="88900" h="31750" prst="angle"/>
-        </a:sp3d>
-      </dsp:spPr>
-      <dsp:style>
-        <a:lnRef idx="0">
-          <a:scrgbClr r="0" g="0" b="0"/>
-        </a:lnRef>
-        <a:fillRef idx="3">
-          <a:scrgbClr r="0" g="0" b="0"/>
-        </a:fillRef>
-        <a:effectRef idx="2">
-          <a:scrgbClr r="0" g="0" b="0"/>
-        </a:effectRef>
-        <a:fontRef idx="minor"/>
-      </dsp:style>
-    </dsp:sp>
-    <dsp:sp modelId="{CD9BA244-4958-4E25-9359-9AF66042D69C}">
-      <dsp:nvSpPr>
-        <dsp:cNvPr id="0" name=""/>
-        <dsp:cNvSpPr/>
-      </dsp:nvSpPr>
-      <dsp:spPr>
-        <a:xfrm>
-          <a:off x="4091650" y="1884397"/>
-          <a:ext cx="2357070" cy="1649872"/>
-        </a:xfrm>
-        <a:prstGeom prst="roundRect">
-          <a:avLst>
-            <a:gd name="adj" fmla="val 16670"/>
-          </a:avLst>
-        </a:prstGeom>
-        <a:gradFill rotWithShape="0">
-          <a:gsLst>
-            <a:gs pos="0">
-              <a:schemeClr val="accent1">
-                <a:hueOff val="0"/>
-                <a:satOff val="0"/>
-                <a:lumOff val="0"/>
-                <a:alphaOff val="0"/>
-                <a:tint val="96000"/>
-                <a:lumMod val="104000"/>
-              </a:schemeClr>
-            </a:gs>
-            <a:gs pos="100000">
-              <a:schemeClr val="accent1">
-                <a:hueOff val="0"/>
-                <a:satOff val="0"/>
-                <a:lumOff val="0"/>
-                <a:alphaOff val="0"/>
-                <a:shade val="98000"/>
-                <a:lumMod val="94000"/>
-              </a:schemeClr>
-            </a:gs>
-          </a:gsLst>
-          <a:lin ang="5400000" scaled="0"/>
-        </a:gradFill>
-        <a:ln>
-          <a:noFill/>
-        </a:ln>
-        <a:effectLst>
-          <a:outerShdw blurRad="38100" dist="25400" dir="5400000" rotWithShape="0">
-            <a:srgbClr val="000000">
-              <a:alpha val="25000"/>
-            </a:srgbClr>
-          </a:outerShdw>
-        </a:effectLst>
-        <a:scene3d>
-          <a:camera prst="orthographicFront"/>
-          <a:lightRig rig="flat" dir="t"/>
-        </a:scene3d>
-        <a:sp3d prstMaterial="plastic">
-          <a:bevelT w="120900" h="88900"/>
-          <a:bevelB w="88900" h="31750" prst="angle"/>
-        </a:sp3d>
-      </dsp:spPr>
-      <dsp:style>
-        <a:lnRef idx="0">
-          <a:scrgbClr r="0" g="0" b="0"/>
-        </a:lnRef>
-        <a:fillRef idx="3">
-          <a:scrgbClr r="0" g="0" b="0"/>
-        </a:fillRef>
-        <a:effectRef idx="2">
-          <a:scrgbClr r="0" g="0" b="0"/>
-        </a:effectRef>
-        <a:fontRef idx="minor">
-          <a:schemeClr val="lt1"/>
-        </a:fontRef>
-      </dsp:style>
-      <dsp:txBody>
-        <a:bodyPr spcFirstLastPara="0" vert="horz" wrap="square" lIns="129540" tIns="129540" rIns="129540" bIns="129540" numCol="1" spcCol="1270" anchor="ctr" anchorCtr="0">
-          <a:noAutofit/>
-        </a:bodyPr>
-        <a:lstStyle/>
-        <a:p>
-          <a:pPr lvl="0" algn="ctr" defTabSz="1511300" rtl="1">
-            <a:lnSpc>
-              <a:spcPct val="90000"/>
-            </a:lnSpc>
-            <a:spcBef>
-              <a:spcPct val="0"/>
-            </a:spcBef>
-            <a:spcAft>
-              <a:spcPct val="35000"/>
-            </a:spcAft>
-          </a:pPr>
-          <a:r>
-            <a:rPr lang="en-US" sz="3400" kern="1200" dirty="0" smtClean="0"/>
-            <a:t>Add new notes </a:t>
-          </a:r>
-          <a:endParaRPr lang="ar-AE" sz="3400" kern="1200" dirty="0"/>
-        </a:p>
-      </dsp:txBody>
-      <dsp:txXfrm>
-        <a:off x="4172205" y="1964952"/>
-        <a:ext cx="2195960" cy="1488762"/>
-      </dsp:txXfrm>
-    </dsp:sp>
-    <dsp:sp modelId="{59B8040F-E483-4339-964B-BE16756AD929}">
-      <dsp:nvSpPr>
-        <dsp:cNvPr id="0" name=""/>
-        <dsp:cNvSpPr/>
-      </dsp:nvSpPr>
-      <dsp:spPr>
-        <a:xfrm>
-          <a:off x="6585351" y="2299982"/>
-          <a:ext cx="4285839" cy="1333500"/>
-        </a:xfrm>
-        <a:prstGeom prst="rect">
-          <a:avLst/>
-        </a:prstGeom>
-        <a:noFill/>
-        <a:ln>
-          <a:noFill/>
-        </a:ln>
-        <a:effectLst/>
-      </dsp:spPr>
-      <dsp:style>
-        <a:lnRef idx="0">
-          <a:scrgbClr r="0" g="0" b="0"/>
-        </a:lnRef>
-        <a:fillRef idx="0">
-          <a:scrgbClr r="0" g="0" b="0"/>
-        </a:fillRef>
-        <a:effectRef idx="0">
-          <a:scrgbClr r="0" g="0" b="0"/>
-        </a:effectRef>
-        <a:fontRef idx="minor"/>
-      </dsp:style>
-      <dsp:txBody>
-        <a:bodyPr spcFirstLastPara="0" vert="horz" wrap="square" lIns="60960" tIns="60960" rIns="60960" bIns="60960" numCol="1" spcCol="1270" anchor="ctr" anchorCtr="0">
-          <a:noAutofit/>
-        </a:bodyPr>
-        <a:lstStyle/>
-        <a:p>
-          <a:pPr marL="171450" lvl="1" indent="-171450" algn="l" defTabSz="711200" rtl="0">
-            <a:lnSpc>
-              <a:spcPct val="90000"/>
-            </a:lnSpc>
-            <a:spcBef>
-              <a:spcPct val="0"/>
-            </a:spcBef>
-            <a:spcAft>
-              <a:spcPct val="15000"/>
-            </a:spcAft>
-            <a:buChar char="••"/>
-          </a:pPr>
-          <a:endParaRPr lang="ar-AE" sz="1600" b="1" kern="1200"/>
-        </a:p>
-        <a:p>
-          <a:pPr marL="228600" lvl="1" indent="-228600" algn="l" defTabSz="889000" rtl="0">
-            <a:lnSpc>
-              <a:spcPct val="90000"/>
-            </a:lnSpc>
-            <a:spcBef>
-              <a:spcPct val="0"/>
-            </a:spcBef>
-            <a:spcAft>
-              <a:spcPct val="15000"/>
-            </a:spcAft>
-            <a:buChar char="••"/>
-          </a:pPr>
-          <a:r>
-            <a:rPr lang="en-US" sz="2000" b="1" kern="1200" dirty="0" smtClean="0"/>
-            <a:t>Login </a:t>
-          </a:r>
-          <a:endParaRPr lang="en-US" sz="2000" b="1" kern="1200" dirty="0" smtClean="0"/>
-        </a:p>
-        <a:p>
-          <a:pPr marL="228600" lvl="1" indent="-228600" algn="l" defTabSz="889000" rtl="0">
-            <a:lnSpc>
-              <a:spcPct val="90000"/>
-            </a:lnSpc>
-            <a:spcBef>
-              <a:spcPct val="0"/>
-            </a:spcBef>
-            <a:spcAft>
-              <a:spcPct val="15000"/>
-            </a:spcAft>
-            <a:buChar char="••"/>
-          </a:pPr>
-          <a:r>
-            <a:rPr lang="en-US" sz="2000" b="1" kern="1200" dirty="0" smtClean="0"/>
-            <a:t>Write your note </a:t>
-          </a:r>
-          <a:endParaRPr lang="en-US" sz="2000" b="1" kern="1200" dirty="0" smtClean="0"/>
-        </a:p>
-        <a:p>
-          <a:pPr marL="228600" lvl="1" indent="-228600" algn="l" defTabSz="889000" rtl="0">
-            <a:lnSpc>
-              <a:spcPct val="90000"/>
-            </a:lnSpc>
-            <a:spcBef>
-              <a:spcPct val="0"/>
-            </a:spcBef>
-            <a:spcAft>
-              <a:spcPct val="15000"/>
-            </a:spcAft>
-            <a:buChar char="••"/>
-          </a:pPr>
-          <a:r>
-            <a:rPr lang="en-US" sz="2000" b="1" kern="1200" dirty="0" smtClean="0"/>
-            <a:t>Write another note or exit </a:t>
-          </a:r>
-          <a:endParaRPr lang="en-US" sz="2000" b="1" kern="1200" dirty="0" smtClean="0"/>
-        </a:p>
-        <a:p>
-          <a:pPr marL="171450" lvl="1" indent="-171450" algn="l" defTabSz="711200" rtl="0">
-            <a:lnSpc>
-              <a:spcPct val="90000"/>
-            </a:lnSpc>
-            <a:spcBef>
-              <a:spcPct val="0"/>
-            </a:spcBef>
-            <a:spcAft>
-              <a:spcPct val="15000"/>
-            </a:spcAft>
-            <a:buChar char="••"/>
-          </a:pPr>
-          <a:endParaRPr lang="ar-AE" sz="1600" b="1" kern="1200" dirty="0"/>
-        </a:p>
-      </dsp:txBody>
-      <dsp:txXfrm>
-        <a:off x="6585351" y="2299982"/>
-        <a:ext cx="4285839" cy="1333500"/>
-      </dsp:txXfrm>
-    </dsp:sp>
-    <dsp:sp modelId="{16100E68-7CAE-4783-95DB-90BFE70971D9}">
-      <dsp:nvSpPr>
-        <dsp:cNvPr id="0" name=""/>
-        <dsp:cNvSpPr/>
-      </dsp:nvSpPr>
-      <dsp:spPr>
-        <a:xfrm>
-          <a:off x="6654357" y="3737748"/>
-          <a:ext cx="2357070" cy="1649872"/>
-        </a:xfrm>
-        <a:prstGeom prst="roundRect">
-          <a:avLst>
-            <a:gd name="adj" fmla="val 16670"/>
-          </a:avLst>
-        </a:prstGeom>
-        <a:gradFill rotWithShape="0">
-          <a:gsLst>
-            <a:gs pos="0">
-              <a:schemeClr val="accent1">
-                <a:hueOff val="0"/>
-                <a:satOff val="0"/>
-                <a:lumOff val="0"/>
-                <a:alphaOff val="0"/>
-                <a:tint val="96000"/>
-                <a:lumMod val="104000"/>
-              </a:schemeClr>
-            </a:gs>
-            <a:gs pos="100000">
-              <a:schemeClr val="accent1">
-                <a:hueOff val="0"/>
-                <a:satOff val="0"/>
-                <a:lumOff val="0"/>
-                <a:alphaOff val="0"/>
-                <a:shade val="98000"/>
-                <a:lumMod val="94000"/>
-              </a:schemeClr>
-            </a:gs>
-          </a:gsLst>
-          <a:lin ang="5400000" scaled="0"/>
-        </a:gradFill>
-        <a:ln>
-          <a:noFill/>
-        </a:ln>
-        <a:effectLst>
-          <a:outerShdw blurRad="38100" dist="25400" dir="5400000" rotWithShape="0">
-            <a:srgbClr val="000000">
-              <a:alpha val="25000"/>
-            </a:srgbClr>
-          </a:outerShdw>
-        </a:effectLst>
-        <a:scene3d>
-          <a:camera prst="orthographicFront"/>
-          <a:lightRig rig="flat" dir="t"/>
-        </a:scene3d>
-        <a:sp3d prstMaterial="plastic">
-          <a:bevelT w="120900" h="88900"/>
-          <a:bevelB w="88900" h="31750" prst="angle"/>
-        </a:sp3d>
-      </dsp:spPr>
-      <dsp:style>
-        <a:lnRef idx="0">
-          <a:scrgbClr r="0" g="0" b="0"/>
-        </a:lnRef>
-        <a:fillRef idx="3">
-          <a:scrgbClr r="0" g="0" b="0"/>
-        </a:fillRef>
-        <a:effectRef idx="2">
-          <a:scrgbClr r="0" g="0" b="0"/>
-        </a:effectRef>
-        <a:fontRef idx="minor">
-          <a:schemeClr val="lt1"/>
-        </a:fontRef>
-      </dsp:style>
-      <dsp:txBody>
-        <a:bodyPr spcFirstLastPara="0" vert="horz" wrap="square" lIns="129540" tIns="129540" rIns="129540" bIns="129540" numCol="1" spcCol="1270" anchor="ctr" anchorCtr="0">
-          <a:noAutofit/>
-        </a:bodyPr>
-        <a:lstStyle/>
-        <a:p>
-          <a:pPr lvl="0" algn="ctr" defTabSz="1511300" rtl="1">
-            <a:lnSpc>
-              <a:spcPct val="90000"/>
-            </a:lnSpc>
-            <a:spcBef>
-              <a:spcPct val="0"/>
-            </a:spcBef>
-            <a:spcAft>
-              <a:spcPct val="35000"/>
-            </a:spcAft>
-          </a:pPr>
-          <a:r>
-            <a:rPr lang="en-US" sz="3400" kern="1200" dirty="0" smtClean="0"/>
-            <a:t>Print all notes</a:t>
-          </a:r>
-          <a:endParaRPr lang="ar-AE" sz="3400" kern="1200" dirty="0"/>
-        </a:p>
-      </dsp:txBody>
-      <dsp:txXfrm>
-        <a:off x="6734912" y="3818303"/>
-        <a:ext cx="2195960" cy="1488762"/>
-      </dsp:txXfrm>
-    </dsp:sp>
-    <dsp:sp modelId="{8953E9BC-3C0C-4A85-BE2F-CE2EF12EF4CA}">
-      <dsp:nvSpPr>
-        <dsp:cNvPr id="0" name=""/>
-        <dsp:cNvSpPr/>
-      </dsp:nvSpPr>
-      <dsp:spPr>
-        <a:xfrm>
-          <a:off x="9065806" y="4453004"/>
-          <a:ext cx="3998316" cy="946158"/>
-        </a:xfrm>
-        <a:prstGeom prst="rect">
-          <a:avLst/>
-        </a:prstGeom>
-        <a:noFill/>
-        <a:ln>
-          <a:noFill/>
-        </a:ln>
-        <a:effectLst/>
-      </dsp:spPr>
-      <dsp:style>
-        <a:lnRef idx="0">
-          <a:scrgbClr r="0" g="0" b="0"/>
-        </a:lnRef>
-        <a:fillRef idx="0">
-          <a:scrgbClr r="0" g="0" b="0"/>
-        </a:fillRef>
-        <a:effectRef idx="0">
-          <a:scrgbClr r="0" g="0" b="0"/>
-        </a:effectRef>
-        <a:fontRef idx="minor"/>
-      </dsp:style>
-      <dsp:txBody>
-        <a:bodyPr spcFirstLastPara="0" vert="horz" wrap="square" lIns="76200" tIns="76200" rIns="76200" bIns="76200" numCol="1" spcCol="1270" anchor="ctr" anchorCtr="0">
-          <a:noAutofit/>
-        </a:bodyPr>
-        <a:lstStyle/>
-        <a:p>
-          <a:pPr marL="228600" lvl="1" indent="-228600" algn="l" defTabSz="889000" rtl="0">
-            <a:lnSpc>
-              <a:spcPct val="90000"/>
-            </a:lnSpc>
-            <a:spcBef>
-              <a:spcPct val="0"/>
-            </a:spcBef>
-            <a:spcAft>
-              <a:spcPct val="15000"/>
-            </a:spcAft>
-            <a:buChar char="••"/>
-          </a:pPr>
-          <a:r>
-            <a:rPr lang="en-US" sz="2000" b="1" kern="1200" dirty="0" smtClean="0"/>
-            <a:t>Login</a:t>
-          </a:r>
-          <a:endParaRPr lang="ar-AE" sz="2000" b="1" kern="1200" dirty="0"/>
-        </a:p>
-        <a:p>
-          <a:pPr marL="228600" lvl="1" indent="-228600" algn="l" defTabSz="889000" rtl="0">
-            <a:lnSpc>
-              <a:spcPct val="90000"/>
-            </a:lnSpc>
-            <a:spcBef>
-              <a:spcPct val="0"/>
-            </a:spcBef>
-            <a:spcAft>
-              <a:spcPct val="15000"/>
-            </a:spcAft>
-            <a:buChar char="••"/>
-          </a:pPr>
-          <a:r>
-            <a:rPr lang="en-US" sz="2000" b="1" kern="1200" dirty="0" smtClean="0"/>
-            <a:t>View notes</a:t>
-          </a:r>
-          <a:endParaRPr lang="ar-AE" sz="2000" b="1" kern="1200" dirty="0"/>
-        </a:p>
-      </dsp:txBody>
-      <dsp:txXfrm>
-        <a:off x="9065806" y="4453004"/>
-        <a:ext cx="3998316" cy="946158"/>
-      </dsp:txXfrm>
-    </dsp:sp>
   </dsp:spTree>
 </dsp:drawing>
 </file>
@@ -4055,7 +3288,7 @@
             <a:fld id="{B61BEF0D-F0BB-DE4B-95CE-6DB70DBA9567}" type="datetimeFigureOut">
               <a:rPr lang="en-US" dirty="0"/>
               <a:pPr/>
-              <a:t>7/29/2019</a:t>
+              <a:t>7/30/2019</a:t>
             </a:fld>
             <a:endParaRPr lang="en-US" dirty="0"/>
           </a:p>
@@ -4390,7 +3623,7 @@
             <a:fld id="{B61BEF0D-F0BB-DE4B-95CE-6DB70DBA9567}" type="datetimeFigureOut">
               <a:rPr lang="en-US" dirty="0"/>
               <a:pPr/>
-              <a:t>7/29/2019</a:t>
+              <a:t>7/30/2019</a:t>
             </a:fld>
             <a:endParaRPr lang="en-US" dirty="0"/>
           </a:p>
@@ -4788,7 +4021,7 @@
             <a:fld id="{B61BEF0D-F0BB-DE4B-95CE-6DB70DBA9567}" type="datetimeFigureOut">
               <a:rPr lang="en-US" dirty="0"/>
               <a:pPr/>
-              <a:t>7/29/2019</a:t>
+              <a:t>7/30/2019</a:t>
             </a:fld>
             <a:endParaRPr lang="en-US" dirty="0"/>
           </a:p>
@@ -5121,7 +4354,7 @@
             <a:fld id="{B61BEF0D-F0BB-DE4B-95CE-6DB70DBA9567}" type="datetimeFigureOut">
               <a:rPr lang="en-US" dirty="0"/>
               <a:pPr/>
-              <a:t>7/29/2019</a:t>
+              <a:t>7/30/2019</a:t>
             </a:fld>
             <a:endParaRPr lang="en-US" dirty="0"/>
           </a:p>
@@ -5438,7 +4671,7 @@
             <a:fld id="{B61BEF0D-F0BB-DE4B-95CE-6DB70DBA9567}" type="datetimeFigureOut">
               <a:rPr lang="en-US" dirty="0"/>
               <a:pPr/>
-              <a:t>7/29/2019</a:t>
+              <a:t>7/30/2019</a:t>
             </a:fld>
             <a:endParaRPr lang="en-US" dirty="0"/>
           </a:p>
@@ -5831,7 +5064,7 @@
             <a:fld id="{B61BEF0D-F0BB-DE4B-95CE-6DB70DBA9567}" type="datetimeFigureOut">
               <a:rPr lang="en-US" dirty="0"/>
               <a:pPr/>
-              <a:t>7/29/2019</a:t>
+              <a:t>7/30/2019</a:t>
             </a:fld>
             <a:endParaRPr lang="en-US" dirty="0"/>
           </a:p>
@@ -6085,7 +5318,7 @@
             <a:fld id="{B61BEF0D-F0BB-DE4B-95CE-6DB70DBA9567}" type="datetimeFigureOut">
               <a:rPr lang="en-US" dirty="0"/>
               <a:pPr/>
-              <a:t>7/29/2019</a:t>
+              <a:t>7/30/2019</a:t>
             </a:fld>
             <a:endParaRPr lang="en-US" dirty="0"/>
           </a:p>
@@ -6344,7 +5577,7 @@
             <a:fld id="{B61BEF0D-F0BB-DE4B-95CE-6DB70DBA9567}" type="datetimeFigureOut">
               <a:rPr lang="en-US" dirty="0"/>
               <a:pPr/>
-              <a:t>7/29/2019</a:t>
+              <a:t>7/30/2019</a:t>
             </a:fld>
             <a:endParaRPr lang="en-US" dirty="0"/>
           </a:p>
@@ -6603,7 +5836,7 @@
             <a:fld id="{B61BEF0D-F0BB-DE4B-95CE-6DB70DBA9567}" type="datetimeFigureOut">
               <a:rPr lang="en-US" dirty="0"/>
               <a:pPr/>
-              <a:t>7/29/2019</a:t>
+              <a:t>7/30/2019</a:t>
             </a:fld>
             <a:endParaRPr lang="en-US" dirty="0"/>
           </a:p>
@@ -6929,7 +6162,7 @@
             <a:fld id="{B61BEF0D-F0BB-DE4B-95CE-6DB70DBA9567}" type="datetimeFigureOut">
               <a:rPr lang="en-US" dirty="0"/>
               <a:pPr/>
-              <a:t>7/29/2019</a:t>
+              <a:t>7/30/2019</a:t>
             </a:fld>
             <a:endParaRPr lang="en-US" dirty="0"/>
           </a:p>
@@ -7249,7 +6482,7 @@
             <a:fld id="{B61BEF0D-F0BB-DE4B-95CE-6DB70DBA9567}" type="datetimeFigureOut">
               <a:rPr lang="en-US" dirty="0"/>
               <a:pPr/>
-              <a:t>7/29/2019</a:t>
+              <a:t>7/30/2019</a:t>
             </a:fld>
             <a:endParaRPr lang="en-US" dirty="0"/>
           </a:p>
@@ -7703,7 +6936,7 @@
             <a:fld id="{B61BEF0D-F0BB-DE4B-95CE-6DB70DBA9567}" type="datetimeFigureOut">
               <a:rPr lang="en-US" dirty="0"/>
               <a:pPr/>
-              <a:t>7/29/2019</a:t>
+              <a:t>7/30/2019</a:t>
             </a:fld>
             <a:endParaRPr lang="en-US" dirty="0"/>
           </a:p>
@@ -7905,7 +7138,7 @@
             <a:fld id="{B61BEF0D-F0BB-DE4B-95CE-6DB70DBA9567}" type="datetimeFigureOut">
               <a:rPr lang="en-US" dirty="0"/>
               <a:pPr/>
-              <a:t>7/29/2019</a:t>
+              <a:t>7/30/2019</a:t>
             </a:fld>
             <a:endParaRPr lang="en-US" dirty="0"/>
           </a:p>
@@ -8079,7 +7312,7 @@
             <a:fld id="{B61BEF0D-F0BB-DE4B-95CE-6DB70DBA9567}" type="datetimeFigureOut">
               <a:rPr lang="en-US" dirty="0"/>
               <a:pPr/>
-              <a:t>7/29/2019</a:t>
+              <a:t>7/30/2019</a:t>
             </a:fld>
             <a:endParaRPr lang="en-US" dirty="0"/>
           </a:p>
@@ -8409,7 +7642,7 @@
             <a:fld id="{B61BEF0D-F0BB-DE4B-95CE-6DB70DBA9567}" type="datetimeFigureOut">
               <a:rPr lang="en-US" dirty="0"/>
               <a:pPr/>
-              <a:t>7/29/2019</a:t>
+              <a:t>7/30/2019</a:t>
             </a:fld>
             <a:endParaRPr lang="en-US" dirty="0"/>
           </a:p>
@@ -8751,7 +7984,7 @@
             <a:fld id="{B61BEF0D-F0BB-DE4B-95CE-6DB70DBA9567}" type="datetimeFigureOut">
               <a:rPr lang="en-US" dirty="0"/>
               <a:pPr/>
-              <a:t>7/29/2019</a:t>
+              <a:t>7/30/2019</a:t>
             </a:fld>
             <a:endParaRPr lang="en-US" dirty="0"/>
           </a:p>
@@ -10865,7 +10098,7 @@
             <a:fld id="{B61BEF0D-F0BB-DE4B-95CE-6DB70DBA9567}" type="datetimeFigureOut">
               <a:rPr lang="en-US" dirty="0"/>
               <a:pPr/>
-              <a:t>7/29/2019</a:t>
+              <a:t>7/30/2019</a:t>
             </a:fld>
             <a:endParaRPr lang="en-US" dirty="0"/>
           </a:p>
@@ -11389,154 +10622,6 @@
             <p:ph type="ctrTitle"/>
           </p:nvPr>
         </p:nvSpPr>
-        <p:spPr/>
-        <p:txBody>
-          <a:bodyPr/>
-          <a:lstStyle/>
-          <a:p>
-            <a:endParaRPr lang="ar-AE" dirty="0"/>
-          </a:p>
-        </p:txBody>
-      </p:sp>
-      <p:sp>
-        <p:nvSpPr>
-          <p:cNvPr id="3" name="Subtitle 2"/>
-          <p:cNvSpPr>
-            <a:spLocks noGrp="1"/>
-          </p:cNvSpPr>
-          <p:nvPr>
-            <p:ph type="subTitle" idx="1"/>
-          </p:nvPr>
-        </p:nvSpPr>
-        <p:spPr/>
-        <p:txBody>
-          <a:bodyPr/>
-          <a:lstStyle/>
-          <a:p>
-            <a:endParaRPr lang="ar-AE"/>
-          </a:p>
-        </p:txBody>
-      </p:sp>
-      <p:pic>
-        <p:nvPicPr>
-          <p:cNvPr id="5" name="Picture 4"/>
-          <p:cNvPicPr>
-            <a:picLocks noChangeAspect="1"/>
-          </p:cNvPicPr>
-          <p:nvPr/>
-        </p:nvPicPr>
-        <p:blipFill>
-          <a:blip r:embed="rId2">
-            <a:extLst>
-              <a:ext uri="{28A0092B-C50C-407E-A947-70E740481C1C}">
-                <a14:useLocalDpi xmlns:a14="http://schemas.microsoft.com/office/drawing/2010/main" val="0"/>
-              </a:ext>
-            </a:extLst>
-          </a:blip>
-          <a:stretch>
-            <a:fillRect/>
-          </a:stretch>
-        </p:blipFill>
-        <p:spPr>
-          <a:xfrm>
-            <a:off x="11112" y="20152"/>
-            <a:ext cx="12180888" cy="6837848"/>
-          </a:xfrm>
-          <a:prstGeom prst="rect">
-            <a:avLst/>
-          </a:prstGeom>
-        </p:spPr>
-      </p:pic>
-      <p:sp>
-        <p:nvSpPr>
-          <p:cNvPr id="6" name="TextBox 5"/>
-          <p:cNvSpPr txBox="1"/>
-          <p:nvPr/>
-        </p:nvSpPr>
-        <p:spPr>
-          <a:xfrm>
-            <a:off x="6781006" y="1983996"/>
-            <a:ext cx="5067300" cy="1107996"/>
-          </a:xfrm>
-          <a:prstGeom prst="rect">
-            <a:avLst/>
-          </a:prstGeom>
-          <a:noFill/>
-        </p:spPr>
-        <p:txBody>
-          <a:bodyPr wrap="square" rtlCol="1">
-            <a:spAutoFit/>
-          </a:bodyPr>
-          <a:lstStyle/>
-          <a:p>
-            <a:r>
-              <a:rPr lang="en-US" sz="6600" dirty="0" smtClean="0">
-                <a:ln>
-                  <a:solidFill>
-                    <a:schemeClr val="tx1"/>
-                  </a:solidFill>
-                </a:ln>
-                <a:solidFill>
-                  <a:schemeClr val="bg1"/>
-                </a:solidFill>
-                <a:latin typeface="Forte" panose="03060902040502070203" pitchFamily="66" charset="0"/>
-              </a:rPr>
-              <a:t>Sticky Notes</a:t>
-            </a:r>
-            <a:endParaRPr lang="ar-AE" sz="6600" dirty="0">
-              <a:ln>
-                <a:solidFill>
-                  <a:schemeClr val="tx1"/>
-                </a:solidFill>
-              </a:ln>
-              <a:solidFill>
-                <a:schemeClr val="bg1"/>
-              </a:solidFill>
-              <a:latin typeface="Forte" panose="03060902040502070203" pitchFamily="66" charset="0"/>
-            </a:endParaRPr>
-          </a:p>
-        </p:txBody>
-      </p:sp>
-    </p:spTree>
-    <p:extLst>
-      <p:ext uri="{BB962C8B-B14F-4D97-AF65-F5344CB8AC3E}">
-        <p14:creationId xmlns:p14="http://schemas.microsoft.com/office/powerpoint/2010/main" val="2230479896"/>
-      </p:ext>
-    </p:extLst>
-  </p:cSld>
-  <p:clrMapOvr>
-    <a:masterClrMapping/>
-  </p:clrMapOvr>
-</p:sld>
-</file>
-
-<file path=ppt/slides/slide2.xml><?xml version="1.0" encoding="utf-8"?>
-<p:sld xmlns:a="http://schemas.openxmlformats.org/drawingml/2006/main" xmlns:r="http://schemas.openxmlformats.org/officeDocument/2006/relationships" xmlns:p="http://schemas.openxmlformats.org/presentationml/2006/main">
-  <p:cSld>
-    <p:spTree>
-      <p:nvGrpSpPr>
-        <p:cNvPr id="1" name=""/>
-        <p:cNvGrpSpPr/>
-        <p:nvPr/>
-      </p:nvGrpSpPr>
-      <p:grpSpPr>
-        <a:xfrm>
-          <a:off x="0" y="0"/>
-          <a:ext cx="0" cy="0"/>
-          <a:chOff x="0" y="0"/>
-          <a:chExt cx="0" cy="0"/>
-        </a:xfrm>
-      </p:grpSpPr>
-      <p:sp>
-        <p:nvSpPr>
-          <p:cNvPr id="2" name="Title 1"/>
-          <p:cNvSpPr>
-            <a:spLocks noGrp="1"/>
-          </p:cNvSpPr>
-          <p:nvPr>
-            <p:ph type="ctrTitle"/>
-          </p:nvPr>
-        </p:nvSpPr>
         <p:spPr>
           <a:xfrm>
             <a:off x="2309813" y="4114800"/>
@@ -11704,7 +10789,7 @@
 </p:sld>
 </file>
 
-<file path=ppt/slides/slide3.xml><?xml version="1.0" encoding="utf-8"?>
+<file path=ppt/slides/slide2.xml><?xml version="1.0" encoding="utf-8"?>
 <p:sld xmlns:a="http://schemas.openxmlformats.org/drawingml/2006/main" xmlns:r="http://schemas.openxmlformats.org/officeDocument/2006/relationships" xmlns:p="http://schemas.openxmlformats.org/presentationml/2006/main">
   <p:cSld>
     <p:spTree>
@@ -11839,7 +10924,7 @@
 </p:sld>
 </file>
 
-<file path=ppt/slides/slide4.xml><?xml version="1.0" encoding="utf-8"?>
+<file path=ppt/slides/slide3.xml><?xml version="1.0" encoding="utf-8"?>
 <p:sld xmlns:a="http://schemas.openxmlformats.org/drawingml/2006/main" xmlns:r="http://schemas.openxmlformats.org/officeDocument/2006/relationships" xmlns:p="http://schemas.openxmlformats.org/presentationml/2006/main">
   <p:cSld>
     <p:spTree>
@@ -12015,6 +11100,147 @@
 </p:sld>
 </file>
 
+<file path=ppt/slides/slide4.xml><?xml version="1.0" encoding="utf-8"?>
+<p:sld xmlns:a="http://schemas.openxmlformats.org/drawingml/2006/main" xmlns:r="http://schemas.openxmlformats.org/officeDocument/2006/relationships" xmlns:p="http://schemas.openxmlformats.org/presentationml/2006/main">
+  <p:cSld>
+    <p:spTree>
+      <p:nvGrpSpPr>
+        <p:cNvPr id="1" name=""/>
+        <p:cNvGrpSpPr/>
+        <p:nvPr/>
+      </p:nvGrpSpPr>
+      <p:grpSpPr>
+        <a:xfrm>
+          <a:off x="0" y="0"/>
+          <a:ext cx="0" cy="0"/>
+          <a:chOff x="0" y="0"/>
+          <a:chExt cx="0" cy="0"/>
+        </a:xfrm>
+      </p:grpSpPr>
+      <p:sp>
+        <p:nvSpPr>
+          <p:cNvPr id="2" name="Title 1"/>
+          <p:cNvSpPr>
+            <a:spLocks noGrp="1"/>
+          </p:cNvSpPr>
+          <p:nvPr>
+            <p:ph type="title"/>
+          </p:nvPr>
+        </p:nvSpPr>
+        <p:spPr>
+          <a:xfrm>
+            <a:off x="2084925" y="580567"/>
+            <a:ext cx="8911687" cy="1280890"/>
+          </a:xfrm>
+        </p:spPr>
+        <p:txBody>
+          <a:bodyPr/>
+          <a:lstStyle/>
+          <a:p>
+            <a:r>
+              <a:rPr lang="en-US" b="1" dirty="0" smtClean="0">
+                <a:solidFill>
+                  <a:srgbClr val="C00000"/>
+                </a:solidFill>
+              </a:rPr>
+              <a:t>Features:</a:t>
+            </a:r>
+            <a:endParaRPr lang="ar-AE" b="1" dirty="0">
+              <a:solidFill>
+                <a:srgbClr val="C00000"/>
+              </a:solidFill>
+            </a:endParaRPr>
+          </a:p>
+        </p:txBody>
+      </p:sp>
+      <p:sp>
+        <p:nvSpPr>
+          <p:cNvPr id="3" name="Content Placeholder 2"/>
+          <p:cNvSpPr>
+            <a:spLocks noGrp="1"/>
+          </p:cNvSpPr>
+          <p:nvPr>
+            <p:ph idx="1"/>
+          </p:nvPr>
+        </p:nvSpPr>
+        <p:spPr>
+          <a:xfrm>
+            <a:off x="2386011" y="1861457"/>
+            <a:ext cx="8915400" cy="3777622"/>
+          </a:xfrm>
+        </p:spPr>
+        <p:txBody>
+          <a:bodyPr>
+            <a:normAutofit lnSpcReduction="10000"/>
+          </a:bodyPr>
+          <a:lstStyle/>
+          <a:p>
+            <a:pPr algn="l" rtl="0">
+              <a:lnSpc>
+                <a:spcPct val="200000"/>
+              </a:lnSpc>
+            </a:pPr>
+            <a:r>
+              <a:rPr lang="en-US" sz="2800" b="1" dirty="0" smtClean="0"/>
+              <a:t>Interactive background.</a:t>
+            </a:r>
+          </a:p>
+          <a:p>
+            <a:pPr algn="l" rtl="0">
+              <a:lnSpc>
+                <a:spcPct val="200000"/>
+              </a:lnSpc>
+            </a:pPr>
+            <a:r>
+              <a:rPr lang="en-US" sz="2800" b="1" dirty="0" smtClean="0"/>
+              <a:t>Adding Password.</a:t>
+            </a:r>
+          </a:p>
+          <a:p>
+            <a:pPr algn="l" rtl="0">
+              <a:lnSpc>
+                <a:spcPct val="200000"/>
+              </a:lnSpc>
+            </a:pPr>
+            <a:r>
+              <a:rPr lang="en-US" sz="2800" b="1" dirty="0" smtClean="0"/>
+              <a:t>Multiple notes.</a:t>
+            </a:r>
+          </a:p>
+          <a:p>
+            <a:pPr algn="l" rtl="0">
+              <a:lnSpc>
+                <a:spcPct val="200000"/>
+              </a:lnSpc>
+            </a:pPr>
+            <a:r>
+              <a:rPr lang="en-US" sz="2800" b="1" dirty="0" smtClean="0"/>
+              <a:t>Multiple lines.</a:t>
+            </a:r>
+          </a:p>
+          <a:p>
+            <a:pPr algn="l" rtl="0">
+              <a:lnSpc>
+                <a:spcPct val="200000"/>
+              </a:lnSpc>
+            </a:pPr>
+            <a:endParaRPr lang="ar-AE" sz="2800" b="1" dirty="0"/>
+          </a:p>
+        </p:txBody>
+      </p:sp>
+    </p:spTree>
+    <p:extLst>
+      <p:ext uri="{BB962C8B-B14F-4D97-AF65-F5344CB8AC3E}">
+        <p14:creationId xmlns:p14="http://schemas.microsoft.com/office/powerpoint/2010/main" val="1396512375"/>
+      </p:ext>
+    </p:extLst>
+  </p:cSld>
+  <p:clrMapOvr>
+    <a:masterClrMapping/>
+  </p:clrMapOvr>
+</p:sld>
+</file>
+
 <file path=ppt/slides/slide5.xml><?xml version="1.0" encoding="utf-8"?>
 <p:sld xmlns:a="http://schemas.openxmlformats.org/drawingml/2006/main" xmlns:r="http://schemas.openxmlformats.org/officeDocument/2006/relationships" xmlns:p="http://schemas.openxmlformats.org/presentationml/2006/main">
   <p:cSld>
@@ -12044,147 +11270,6 @@
         </p:nvSpPr>
         <p:spPr>
           <a:xfrm>
-            <a:off x="2084925" y="580567"/>
-            <a:ext cx="8911687" cy="1280890"/>
-          </a:xfrm>
-        </p:spPr>
-        <p:txBody>
-          <a:bodyPr/>
-          <a:lstStyle/>
-          <a:p>
-            <a:r>
-              <a:rPr lang="en-US" b="1" dirty="0" smtClean="0">
-                <a:solidFill>
-                  <a:srgbClr val="C00000"/>
-                </a:solidFill>
-              </a:rPr>
-              <a:t>Features:</a:t>
-            </a:r>
-            <a:endParaRPr lang="ar-AE" b="1" dirty="0">
-              <a:solidFill>
-                <a:srgbClr val="C00000"/>
-              </a:solidFill>
-            </a:endParaRPr>
-          </a:p>
-        </p:txBody>
-      </p:sp>
-      <p:sp>
-        <p:nvSpPr>
-          <p:cNvPr id="3" name="Content Placeholder 2"/>
-          <p:cNvSpPr>
-            <a:spLocks noGrp="1"/>
-          </p:cNvSpPr>
-          <p:nvPr>
-            <p:ph idx="1"/>
-          </p:nvPr>
-        </p:nvSpPr>
-        <p:spPr>
-          <a:xfrm>
-            <a:off x="2386011" y="1861457"/>
-            <a:ext cx="8915400" cy="3777622"/>
-          </a:xfrm>
-        </p:spPr>
-        <p:txBody>
-          <a:bodyPr>
-            <a:normAutofit lnSpcReduction="10000"/>
-          </a:bodyPr>
-          <a:lstStyle/>
-          <a:p>
-            <a:pPr algn="l" rtl="0">
-              <a:lnSpc>
-                <a:spcPct val="200000"/>
-              </a:lnSpc>
-            </a:pPr>
-            <a:r>
-              <a:rPr lang="en-US" sz="2800" b="1" dirty="0" smtClean="0"/>
-              <a:t>Interactive background.</a:t>
-            </a:r>
-          </a:p>
-          <a:p>
-            <a:pPr algn="l" rtl="0">
-              <a:lnSpc>
-                <a:spcPct val="200000"/>
-              </a:lnSpc>
-            </a:pPr>
-            <a:r>
-              <a:rPr lang="en-US" sz="2800" b="1" dirty="0" smtClean="0"/>
-              <a:t>Adding Password.</a:t>
-            </a:r>
-          </a:p>
-          <a:p>
-            <a:pPr algn="l" rtl="0">
-              <a:lnSpc>
-                <a:spcPct val="200000"/>
-              </a:lnSpc>
-            </a:pPr>
-            <a:r>
-              <a:rPr lang="en-US" sz="2800" b="1" dirty="0" smtClean="0"/>
-              <a:t>Multiple notes.</a:t>
-            </a:r>
-          </a:p>
-          <a:p>
-            <a:pPr algn="l" rtl="0">
-              <a:lnSpc>
-                <a:spcPct val="200000"/>
-              </a:lnSpc>
-            </a:pPr>
-            <a:r>
-              <a:rPr lang="en-US" sz="2800" b="1" dirty="0" smtClean="0"/>
-              <a:t>Multiple lines.</a:t>
-            </a:r>
-          </a:p>
-          <a:p>
-            <a:pPr algn="l" rtl="0">
-              <a:lnSpc>
-                <a:spcPct val="200000"/>
-              </a:lnSpc>
-            </a:pPr>
-            <a:endParaRPr lang="ar-AE" sz="2800" b="1" dirty="0"/>
-          </a:p>
-        </p:txBody>
-      </p:sp>
-    </p:spTree>
-    <p:extLst>
-      <p:ext uri="{BB962C8B-B14F-4D97-AF65-F5344CB8AC3E}">
-        <p14:creationId xmlns:p14="http://schemas.microsoft.com/office/powerpoint/2010/main" val="1396512375"/>
-      </p:ext>
-    </p:extLst>
-  </p:cSld>
-  <p:clrMapOvr>
-    <a:masterClrMapping/>
-  </p:clrMapOvr>
-</p:sld>
-</file>
-
-<file path=ppt/slides/slide6.xml><?xml version="1.0" encoding="utf-8"?>
-<p:sld xmlns:a="http://schemas.openxmlformats.org/drawingml/2006/main" xmlns:r="http://schemas.openxmlformats.org/officeDocument/2006/relationships" xmlns:p="http://schemas.openxmlformats.org/presentationml/2006/main">
-  <p:cSld>
-    <p:spTree>
-      <p:nvGrpSpPr>
-        <p:cNvPr id="1" name=""/>
-        <p:cNvGrpSpPr/>
-        <p:nvPr/>
-      </p:nvGrpSpPr>
-      <p:grpSpPr>
-        <a:xfrm>
-          <a:off x="0" y="0"/>
-          <a:ext cx="0" cy="0"/>
-          <a:chOff x="0" y="0"/>
-          <a:chExt cx="0" cy="0"/>
-        </a:xfrm>
-      </p:grpSpPr>
-      <p:sp>
-        <p:nvSpPr>
-          <p:cNvPr id="2" name="Title 1"/>
-          <p:cNvSpPr>
-            <a:spLocks noGrp="1"/>
-          </p:cNvSpPr>
-          <p:nvPr>
-            <p:ph type="title"/>
-          </p:nvPr>
-        </p:nvSpPr>
-        <p:spPr>
-          <a:xfrm>
             <a:off x="4301898" y="2218406"/>
             <a:ext cx="3709987" cy="1860107"/>
           </a:xfrm>
@@ -12225,7 +11310,7 @@
 </p:sld>
 </file>
 
-<file path=ppt/slides/slide7.xml><?xml version="1.0" encoding="utf-8"?>
+<file path=ppt/slides/slide6.xml><?xml version="1.0" encoding="utf-8"?>
 <p:sld xmlns:a="http://schemas.openxmlformats.org/drawingml/2006/main" xmlns:r="http://schemas.openxmlformats.org/officeDocument/2006/relationships" xmlns:p="http://schemas.openxmlformats.org/presentationml/2006/main">
   <p:cSld>
     <p:spTree>
